--- a/slides/WSTA_L21_machine_translation_phrase.pptx
+++ b/slides/WSTA_L21_machine_translation_phrase.pptx
@@ -1189,7 +1189,7 @@
           </a:ln>
           <a:extLst>
             <a:ext uri="{AF507438-7753-43e0-B8FC-AC1667EBCBE1}">
-              <a14:hiddenEffects xmlns="" xmlns:a14="http://schemas.microsoft.com/office/drawing/2010/main">
+              <a14:hiddenEffects xmlns:a14="http://schemas.microsoft.com/office/drawing/2010/main" xmlns="">
                 <a:effectLst>
                   <a:outerShdw blurRad="63500" dist="38099" dir="2700000" algn="ctr" rotWithShape="0">
                     <a:srgbClr val="000000">
@@ -1220,7 +1220,7 @@
           <a:ln/>
           <a:extLst>
             <a:ext uri="{AF507438-7753-43e0-B8FC-AC1667EBCBE1}">
-              <a14:hiddenEffects xmlns="" xmlns:a14="http://schemas.microsoft.com/office/drawing/2010/main">
+              <a14:hiddenEffects xmlns:a14="http://schemas.microsoft.com/office/drawing/2010/main" xmlns="">
                 <a:effectLst>
                   <a:outerShdw blurRad="63500" dist="38099" dir="2700000" algn="ctr" rotWithShape="0">
                     <a:srgbClr val="000000">
@@ -1311,7 +1311,7 @@
           </a:ln>
           <a:extLst>
             <a:ext uri="{AF507438-7753-43e0-B8FC-AC1667EBCBE1}">
-              <a14:hiddenEffects xmlns="" xmlns:a14="http://schemas.microsoft.com/office/drawing/2010/main">
+              <a14:hiddenEffects xmlns:a14="http://schemas.microsoft.com/office/drawing/2010/main" xmlns="">
                 <a:effectLst>
                   <a:outerShdw blurRad="63500" dist="38099" dir="2700000" algn="ctr" rotWithShape="0">
                     <a:srgbClr val="000000">
@@ -1342,7 +1342,7 @@
           <a:ln/>
           <a:extLst>
             <a:ext uri="{AF507438-7753-43e0-B8FC-AC1667EBCBE1}">
-              <a14:hiddenEffects xmlns="" xmlns:a14="http://schemas.microsoft.com/office/drawing/2010/main">
+              <a14:hiddenEffects xmlns:a14="http://schemas.microsoft.com/office/drawing/2010/main" xmlns="">
                 <a:effectLst>
                   <a:outerShdw blurRad="63500" dist="38099" dir="2700000" algn="ctr" rotWithShape="0">
                     <a:srgbClr val="000000">
@@ -1433,7 +1433,7 @@
           </a:ln>
           <a:extLst>
             <a:ext uri="{AF507438-7753-43e0-B8FC-AC1667EBCBE1}">
-              <a14:hiddenEffects xmlns="" xmlns:a14="http://schemas.microsoft.com/office/drawing/2010/main">
+              <a14:hiddenEffects xmlns:a14="http://schemas.microsoft.com/office/drawing/2010/main" xmlns="">
                 <a:effectLst>
                   <a:outerShdw blurRad="63500" dist="38099" dir="2700000" algn="ctr" rotWithShape="0">
                     <a:srgbClr val="000000">
@@ -1464,7 +1464,7 @@
           <a:ln/>
           <a:extLst>
             <a:ext uri="{AF507438-7753-43e0-B8FC-AC1667EBCBE1}">
-              <a14:hiddenEffects xmlns="" xmlns:a14="http://schemas.microsoft.com/office/drawing/2010/main">
+              <a14:hiddenEffects xmlns:a14="http://schemas.microsoft.com/office/drawing/2010/main" xmlns="">
                 <a:effectLst>
                   <a:outerShdw blurRad="63500" dist="38099" dir="2700000" algn="ctr" rotWithShape="0">
                     <a:srgbClr val="000000">
@@ -4905,15 +4905,7 @@
             </a:r>
             <a:r>
               <a:rPr lang="en-US" dirty="0" smtClean="0"/>
-              <a:t>phrase </a:t>
-            </a:r>
-            <a:r>
-              <a:rPr lang="en-US" dirty="0" smtClean="0"/>
-              <a:t>based </a:t>
-            </a:r>
-            <a:r>
-              <a:rPr lang="en-US" dirty="0" smtClean="0"/>
-              <a:t>&amp; Neural Encoder-decoder</a:t>
+              <a:t>phrase based &amp; Neural Encoder-decoder</a:t>
             </a:r>
             <a:endParaRPr lang="en-US" dirty="0"/>
           </a:p>
@@ -5031,11 +5023,7 @@
           <a:p>
             <a:r>
               <a:rPr lang="en-US" altLang="en-US" dirty="0" smtClean="0"/>
-              <a:t>Akin to Viterbi </a:t>
-            </a:r>
-            <a:r>
-              <a:rPr lang="en-US" altLang="en-US" dirty="0" smtClean="0"/>
-              <a:t>algorithm</a:t>
+              <a:t>Akin to Viterbi algorithm</a:t>
             </a:r>
           </a:p>
           <a:p>
@@ -5043,29 +5031,13 @@
             <a:r>
               <a:rPr lang="en-US" altLang="en-US" dirty="0" smtClean="0"/>
               <a:t>factor out repeated computation </a:t>
-            </a:r>
-            <a:r>
-              <a:rPr lang="en-US" altLang="en-US" dirty="0" smtClean="0"/>
-              <a:t/>
             </a:r>
             <a:br>
               <a:rPr lang="en-US" altLang="en-US" dirty="0" smtClean="0"/>
             </a:br>
             <a:r>
               <a:rPr lang="en-US" altLang="en-US" dirty="0" smtClean="0"/>
-              <a:t>(</a:t>
-            </a:r>
-            <a:r>
-              <a:rPr lang="en-US" altLang="en-US" dirty="0" smtClean="0"/>
-              <a:t>like Viterbi for HMMs, </a:t>
-            </a:r>
-            <a:r>
-              <a:rPr lang="en-US" altLang="en-US" dirty="0" smtClean="0"/>
-              <a:t>“chart” </a:t>
-            </a:r>
-            <a:r>
-              <a:rPr lang="en-US" altLang="en-US" dirty="0" smtClean="0"/>
-              <a:t>used in parsing)</a:t>
+              <a:t>(like Viterbi for HMMs, “chart” used in parsing)</a:t>
             </a:r>
           </a:p>
           <a:p>
@@ -5086,17 +5058,8 @@
           <a:p>
             <a:r>
               <a:rPr lang="en-US" altLang="en-US" dirty="0" smtClean="0"/>
-              <a:t>Aim </a:t>
-            </a:r>
-            <a:r>
-              <a:rPr lang="en-US" altLang="en-US" dirty="0" smtClean="0"/>
-              <a:t>is to translate every word of the </a:t>
-            </a:r>
-            <a:r>
-              <a:rPr lang="en-US" altLang="en-US" dirty="0" smtClean="0"/>
-              <a:t>input once</a:t>
-            </a:r>
-            <a:endParaRPr lang="en-US" altLang="en-US" dirty="0" smtClean="0"/>
+              <a:t>Aim is to translate every word of the input once</a:t>
+            </a:r>
           </a:p>
           <a:p>
             <a:pPr lvl="1"/>
@@ -6387,7 +6350,6 @@
               <a:rPr lang="en-GB" altLang="en-US" dirty="0" smtClean="0"/>
               <a:t>Need to record </a:t>
             </a:r>
-            <a:endParaRPr lang="en-GB" altLang="en-US" dirty="0" smtClean="0"/>
           </a:p>
           <a:p>
             <a:pPr lvl="1"/>
@@ -6400,17 +6362,8 @@
             <a:pPr lvl="1"/>
             <a:r>
               <a:rPr lang="en-GB" altLang="en-US" dirty="0" smtClean="0"/>
-              <a:t>which </a:t>
-            </a:r>
-            <a:r>
-              <a:rPr lang="en-GB" altLang="en-US" dirty="0" smtClean="0"/>
-              <a:t>words </a:t>
-            </a:r>
-            <a:r>
-              <a:rPr lang="en-GB" altLang="en-US" dirty="0" smtClean="0"/>
-              <a:t>are translated in bit-vector</a:t>
-            </a:r>
-            <a:endParaRPr lang="en-GB" altLang="en-US" dirty="0" smtClean="0"/>
+              <a:t>which words are translated in bit-vector</a:t>
+            </a:r>
           </a:p>
           <a:p>
             <a:pPr lvl="1"/>
@@ -6428,15 +6381,7 @@
             </a:r>
             <a:r>
               <a:rPr lang="en-GB" altLang="en-US" dirty="0" smtClean="0"/>
-              <a:t> words </a:t>
-            </a:r>
-            <a:r>
-              <a:rPr lang="en-GB" altLang="en-US" dirty="0" smtClean="0"/>
-              <a:t>in </a:t>
-            </a:r>
-            <a:r>
-              <a:rPr lang="en-GB" altLang="en-US" dirty="0" smtClean="0"/>
-              <a:t>E</a:t>
+              <a:t> words in E</a:t>
             </a:r>
             <a:r>
               <a:rPr lang="mr-IN" altLang="en-US" dirty="0" smtClean="0"/>
@@ -6464,26 +6409,14 @@
             <a:pPr lvl="1"/>
             <a:r>
               <a:rPr lang="en-GB" altLang="en-US" dirty="0" smtClean="0"/>
-              <a:t>end position </a:t>
-            </a:r>
-            <a:r>
-              <a:rPr lang="en-GB" altLang="en-US" dirty="0" smtClean="0"/>
-              <a:t>of the last phrase </a:t>
-            </a:r>
-            <a:r>
-              <a:rPr lang="en-GB" altLang="en-US" dirty="0" smtClean="0"/>
-              <a:t>translated in the source, for scoring distortion in next step</a:t>
+              <a:t>end position of the last phrase translated in the source, for scoring distortion in next step</a:t>
             </a:r>
             <a:endParaRPr lang="en-GB" altLang="en-US" baseline="-25000" dirty="0" smtClean="0"/>
           </a:p>
           <a:p>
             <a:r>
               <a:rPr lang="en-AU" dirty="0" smtClean="0"/>
-              <a:t>Together allows for the </a:t>
-            </a:r>
-            <a:r>
-              <a:rPr lang="en-AU" dirty="0" smtClean="0"/>
-              <a:t>score computation to be factorised</a:t>
+              <a:t>Together allows for the score computation to be factorised</a:t>
             </a:r>
             <a:endParaRPr lang="en-AU" dirty="0"/>
           </a:p>
@@ -6576,11 +6509,7 @@
             <a:pPr lvl="1"/>
             <a:r>
               <a:rPr lang="en-US" dirty="0" smtClean="0"/>
-              <a:t>word-based and phrase-based decoding is NP complete (Knight 99</a:t>
-            </a:r>
-            <a:r>
-              <a:rPr lang="en-US" dirty="0" smtClean="0"/>
-              <a:t>)</a:t>
+              <a:t>word-based and phrase-based decoding is NP complete (Knight 99)</a:t>
             </a:r>
           </a:p>
           <a:p>
@@ -6589,7 +6518,6 @@
               <a:rPr lang="en-US" dirty="0" smtClean="0"/>
               <a:t>arises from arbitrary reordering</a:t>
             </a:r>
-            <a:endParaRPr lang="en-US" dirty="0" smtClean="0"/>
           </a:p>
           <a:p>
             <a:r>
@@ -6605,17 +6533,12 @@
             </a:r>
             <a:r>
               <a:rPr lang="en-US" b="1" i="1" dirty="0" smtClean="0"/>
-              <a:t>beam </a:t>
-            </a:r>
-            <a:r>
-              <a:rPr lang="en-US" b="1" i="1" dirty="0" smtClean="0"/>
-              <a:t>search</a:t>
+              <a:t>beam search</a:t>
             </a:r>
             <a:r>
               <a:rPr lang="en-US" dirty="0" smtClean="0"/>
               <a:t>, a form of approximate search</a:t>
             </a:r>
-            <a:endParaRPr lang="en-US" dirty="0" smtClean="0"/>
           </a:p>
           <a:p>
             <a:pPr lvl="1"/>
@@ -6639,7 +6562,6 @@
               <a:rPr lang="en-AU" dirty="0" smtClean="0"/>
               <a:t>options (“hypotheses")</a:t>
             </a:r>
-            <a:endParaRPr lang="en-AU" dirty="0" smtClean="0"/>
           </a:p>
           <a:p>
             <a:pPr lvl="1"/>
@@ -6772,27 +6694,7 @@
           <a:p>
             <a:r>
               <a:rPr lang="en-AU" dirty="0" smtClean="0"/>
-              <a:t>Each time we extend a </a:t>
-            </a:r>
-            <a:r>
-              <a:rPr lang="en-AU" dirty="0" smtClean="0"/>
-              <a:t>hypothesis, </a:t>
-            </a:r>
-            <a:r>
-              <a:rPr lang="en-AU" dirty="0" smtClean="0"/>
-              <a:t>store </a:t>
-            </a:r>
-            <a:r>
-              <a:rPr lang="en-AU" dirty="0" smtClean="0"/>
-              <a:t>resulting translation in </a:t>
-            </a:r>
-            <a:r>
-              <a:rPr lang="en-AU" dirty="0" smtClean="0"/>
-              <a:t>bin according </a:t>
-            </a:r>
-            <a:r>
-              <a:rPr lang="en-AU" dirty="0" smtClean="0"/>
-              <a:t>to source coverage</a:t>
+              <a:t>Each time we extend a hypothesis, store resulting translation in bin according to source coverage</a:t>
             </a:r>
           </a:p>
           <a:p>
@@ -6806,19 +6708,7 @@
             <a:pPr lvl="1"/>
             <a:r>
               <a:rPr lang="en-AU" dirty="0" smtClean="0"/>
-              <a:t>also include approximate cost </a:t>
-            </a:r>
-            <a:r>
-              <a:rPr lang="en-AU" dirty="0" smtClean="0"/>
-              <a:t>of </a:t>
-            </a:r>
-            <a:r>
-              <a:rPr lang="en-AU" dirty="0" smtClean="0"/>
-              <a:t>translating the untranslated words</a:t>
-            </a:r>
-            <a:r>
-              <a:rPr lang="en-AU" dirty="0" smtClean="0"/>
-              <a:t/>
+              <a:t>also include approximate cost of translating the untranslated words</a:t>
             </a:r>
             <a:br>
               <a:rPr lang="en-AU" dirty="0" smtClean="0"/>
@@ -6856,11 +6746,7 @@
             </a:r>
             <a:r>
               <a:rPr lang="en-AU" dirty="0" smtClean="0"/>
-              <a:t>&amp; Future </a:t>
-            </a:r>
-            <a:r>
-              <a:rPr lang="en-AU" dirty="0" smtClean="0"/>
-              <a:t>cost</a:t>
+              <a:t>&amp; Future cost</a:t>
             </a:r>
             <a:endParaRPr lang="en-AU" dirty="0"/>
           </a:p>
@@ -7045,7 +6931,6 @@
               <a:rPr lang="en-AU" dirty="0" smtClean="0"/>
               <a:t>Scoring formula</a:t>
             </a:r>
-            <a:endParaRPr lang="en-AU" dirty="0" smtClean="0"/>
           </a:p>
           <a:p>
             <a:pPr lvl="1"/>
@@ -27832,11 +27717,6 @@
               </a:rPr>
               <a:t>Fig from Koehn09</a:t>
             </a:r>
-            <a:endParaRPr lang="en-AU" dirty="0">
-              <a:latin typeface="Arial" charset="0"/>
-              <a:ea typeface="Arial" charset="0"/>
-              <a:cs typeface="Arial" charset="0"/>
-            </a:endParaRPr>
           </a:p>
         </p:txBody>
       </p:sp>
@@ -32137,33 +32017,7 @@
                 <a:ea typeface="Al Nile" charset="0"/>
                 <a:cs typeface="Al Nile" charset="0"/>
               </a:rPr>
-              <a:t>Referred to as Australia's </a:t>
-            </a:r>
-            <a:r>
-              <a:rPr lang="en-US" dirty="0">
-                <a:solidFill>
-                  <a:schemeClr val="accent1">
-                    <a:lumMod val="50000"/>
-                  </a:schemeClr>
-                </a:solidFill>
-                <a:latin typeface="Al Nile" charset="0"/>
-                <a:ea typeface="Al Nile" charset="0"/>
-                <a:cs typeface="Al Nile" charset="0"/>
-              </a:rPr>
-              <a:t>“cultural capital” </a:t>
-            </a:r>
-            <a:r>
-              <a:rPr lang="en-US" dirty="0">
-                <a:solidFill>
-                  <a:schemeClr val="accent1">
-                    <a:lumMod val="50000"/>
-                  </a:schemeClr>
-                </a:solidFill>
-                <a:latin typeface="Al Nile" charset="0"/>
-                <a:ea typeface="Al Nile" charset="0"/>
-                <a:cs typeface="Al Nile" charset="0"/>
-              </a:rPr>
-              <a:t>it is the birthplace of Australian impressionism, Australian rules football, the Australian film and television industries, and Australian contemporary dance such as the Melbourne Shuffle. It is </a:t>
+              <a:t>Referred to as Australia's “cultural capital” it is the birthplace of Australian impressionism, Australian rules football, the Australian film and television industries, and Australian contemporary dance such as the Melbourne Shuffle. It is </a:t>
             </a:r>
             <a:r>
               <a:rPr lang="en-US" dirty="0" err="1">
@@ -33141,20 +32995,7 @@
                 <a:ea typeface="Al Nile" charset="0"/>
                 <a:cs typeface="Al Nile" charset="0"/>
               </a:rPr>
-              <a:t>’s “cultural capital” </a:t>
-            </a:r>
-            <a:r>
-              <a:rPr lang="en-US" sz="2400" dirty="0">
-                <a:solidFill>
-                  <a:schemeClr val="accent1">
-                    <a:lumMod val="50000"/>
-                  </a:schemeClr>
-                </a:solidFill>
-                <a:latin typeface="Al Nile" charset="0"/>
-                <a:ea typeface="Al Nile" charset="0"/>
-                <a:cs typeface="Al Nile" charset="0"/>
-              </a:rPr>
-              <a:t>it is the birthplace of Australian </a:t>
+              <a:t>’s “cultural capital” it is the birthplace of Australian </a:t>
             </a:r>
             <a:r>
               <a:rPr lang="en-US" sz="2400" b="1" dirty="0">
@@ -33897,11 +33738,7 @@
             </a:r>
             <a:r>
               <a:rPr lang="en-AU" dirty="0" smtClean="0"/>
-              <a:t>ord </a:t>
-            </a:r>
-            <a:r>
-              <a:rPr lang="en-AU" dirty="0" smtClean="0"/>
-              <a:t>vs phrase based MT</a:t>
+              <a:t>ord vs phrase based MT</a:t>
             </a:r>
           </a:p>
           <a:p>
@@ -33910,7 +33747,6 @@
               <a:rPr lang="en-AU" dirty="0" smtClean="0"/>
               <a:t>Components of phrase-base approach</a:t>
             </a:r>
-            <a:endParaRPr lang="en-AU" dirty="0" smtClean="0"/>
           </a:p>
           <a:p>
             <a:pPr lvl="1"/>
@@ -33924,7 +33760,6 @@
               <a:rPr lang="en-AU" dirty="0" smtClean="0"/>
               <a:t>Neural encoder-decoder</a:t>
             </a:r>
-            <a:endParaRPr lang="en-AU" dirty="0" smtClean="0"/>
           </a:p>
           <a:p>
             <a:r>
@@ -33943,15 +33778,11 @@
             <a:pPr lvl="1"/>
             <a:r>
               <a:rPr lang="en-AU" dirty="0" smtClean="0"/>
-              <a:t>(optional) Koehn09 </a:t>
+              <a:t>Koehn09 </a:t>
             </a:r>
             <a:r>
               <a:rPr lang="en-AU" dirty="0" smtClean="0"/>
-              <a:t>5.1 – 5.2 and 6.1 – </a:t>
-            </a:r>
-            <a:r>
-              <a:rPr lang="en-AU" dirty="0" smtClean="0"/>
-              <a:t>6.2</a:t>
+              <a:t>5.1 – 5.2 and 6.1 – 6.2</a:t>
             </a:r>
           </a:p>
           <a:p>
@@ -35394,11 +35225,6 @@
               </a:rPr>
               <a:t>Fig from Koehn09</a:t>
             </a:r>
-            <a:endParaRPr lang="en-AU" dirty="0">
-              <a:latin typeface="Arial" charset="0"/>
-              <a:ea typeface="Arial" charset="0"/>
-              <a:cs typeface="Arial" charset="0"/>
-            </a:endParaRPr>
           </a:p>
         </p:txBody>
       </p:sp>
@@ -35992,7 +35818,6 @@
               <a:rPr lang="en-GB" altLang="en-US" i="1" dirty="0" smtClean="0"/>
               <a:t>E</a:t>
             </a:r>
-            <a:endParaRPr lang="en-GB" altLang="en-US" i="1" dirty="0" smtClean="0"/>
           </a:p>
           <a:p>
             <a:r>
@@ -36005,22 +35830,14 @@
             </a:r>
             <a:r>
               <a:rPr lang="en-GB" altLang="en-US" dirty="0" smtClean="0"/>
-              <a:t> </a:t>
-            </a:r>
+              <a:t> function is a product of the</a:t>
+            </a:r>
+          </a:p>
+          <a:p>
+            <a:pPr lvl="1"/>
             <a:r>
               <a:rPr lang="en-GB" altLang="en-US" dirty="0" smtClean="0"/>
-              <a:t>function is a product of the</a:t>
-            </a:r>
-          </a:p>
-          <a:p>
-            <a:pPr lvl="1"/>
-            <a:r>
-              <a:rPr lang="en-GB" altLang="en-US" dirty="0" smtClean="0"/>
-              <a:t>translation </a:t>
-            </a:r>
-            <a:r>
-              <a:rPr lang="en-GB" altLang="en-US" dirty="0" smtClean="0"/>
-              <a:t>“probability”, </a:t>
+              <a:t>translation “probability”, </a:t>
             </a:r>
             <a:r>
               <a:rPr lang="en-GB" altLang="en-US" i="1" dirty="0" smtClean="0"/>
@@ -36028,13 +35845,8 @@
             </a:r>
             <a:r>
               <a:rPr lang="en-GB" altLang="en-US" dirty="0" smtClean="0"/>
-              <a:t>, </a:t>
-            </a:r>
-            <a:r>
-              <a:rPr lang="en-GB" altLang="en-US" dirty="0" smtClean="0"/>
-              <a:t>split into phrase-pairs</a:t>
-            </a:r>
-            <a:endParaRPr lang="en-GB" altLang="en-US" dirty="0" smtClean="0"/>
+              <a:t>, split into phrase-pairs</a:t>
+            </a:r>
           </a:p>
           <a:p>
             <a:pPr lvl="1"/>
@@ -36044,7 +35856,39 @@
             </a:r>
             <a:r>
               <a:rPr lang="en-GB" altLang="en-US" i="1" dirty="0" smtClean="0"/>
-              <a:t>P(E</a:t>
+              <a:t>P(E), </a:t>
+            </a:r>
+            <a:r>
+              <a:rPr lang="en-GB" altLang="en-US" dirty="0" smtClean="0"/>
+              <a:t>over full sentence E</a:t>
+            </a:r>
+            <a:endParaRPr lang="en-GB" altLang="en-US" i="1" dirty="0" smtClean="0"/>
+          </a:p>
+          <a:p>
+            <a:pPr lvl="1"/>
+            <a:r>
+              <a:rPr lang="en-GB" altLang="en-US" dirty="0" smtClean="0"/>
+              <a:t>distortion cost,</a:t>
+            </a:r>
+            <a:r>
+              <a:rPr lang="en-GB" altLang="en-US" i="1" dirty="0" smtClean="0"/>
+              <a:t> d(</a:t>
+            </a:r>
+            <a:r>
+              <a:rPr lang="en-GB" altLang="en-US" i="1" dirty="0" err="1" smtClean="0"/>
+              <a:t>start</a:t>
+            </a:r>
+            <a:r>
+              <a:rPr lang="en-GB" altLang="en-US" i="1" baseline="-25000" dirty="0" err="1" smtClean="0"/>
+              <a:t>i</a:t>
+            </a:r>
+            <a:r>
+              <a:rPr lang="en-GB" altLang="en-US" i="1" dirty="0" smtClean="0"/>
+              <a:t>, end</a:t>
+            </a:r>
+            <a:r>
+              <a:rPr lang="en-GB" altLang="en-US" i="1" baseline="-25000" dirty="0" smtClean="0"/>
+              <a:t>i-1</a:t>
             </a:r>
             <a:r>
               <a:rPr lang="en-GB" altLang="en-US" i="1" dirty="0" smtClean="0"/>
@@ -36052,69 +35896,21 @@
             </a:r>
             <a:r>
               <a:rPr lang="en-GB" altLang="en-US" dirty="0" smtClean="0"/>
-              <a:t>over full sentence E</a:t>
+              <a:t>measuring amount of reordering between adjacent phrase-pairs</a:t>
             </a:r>
             <a:endParaRPr lang="en-GB" altLang="en-US" i="1" dirty="0" smtClean="0"/>
           </a:p>
           <a:p>
+            <a:r>
+              <a:rPr lang="en-GB" altLang="en-US" dirty="0" smtClean="0"/>
+              <a:t>Search problem</a:t>
+            </a:r>
+          </a:p>
+          <a:p>
             <a:pPr lvl="1"/>
             <a:r>
               <a:rPr lang="en-GB" altLang="en-US" dirty="0" smtClean="0"/>
-              <a:t>distortion cost,</a:t>
-            </a:r>
-            <a:r>
-              <a:rPr lang="en-GB" altLang="en-US" i="1" dirty="0" smtClean="0"/>
-              <a:t> d(</a:t>
-            </a:r>
-            <a:r>
-              <a:rPr lang="en-GB" altLang="en-US" i="1" dirty="0" err="1" smtClean="0"/>
-              <a:t>start</a:t>
-            </a:r>
-            <a:r>
-              <a:rPr lang="en-GB" altLang="en-US" i="1" baseline="-25000" dirty="0" err="1" smtClean="0"/>
-              <a:t>i</a:t>
-            </a:r>
-            <a:r>
-              <a:rPr lang="en-GB" altLang="en-US" i="1" dirty="0" smtClean="0"/>
-              <a:t>, end</a:t>
-            </a:r>
-            <a:r>
-              <a:rPr lang="en-GB" altLang="en-US" i="1" baseline="-25000" dirty="0" smtClean="0"/>
-              <a:t>i-1</a:t>
-            </a:r>
-            <a:r>
-              <a:rPr lang="en-GB" altLang="en-US" i="1" dirty="0" smtClean="0"/>
-              <a:t>), </a:t>
-            </a:r>
-            <a:r>
-              <a:rPr lang="en-GB" altLang="en-US" dirty="0" smtClean="0"/>
-              <a:t>measuring amount of reordering between adjacent phrase-pairs</a:t>
-            </a:r>
-            <a:endParaRPr lang="en-GB" altLang="en-US" i="1" dirty="0" smtClean="0"/>
-          </a:p>
-          <a:p>
-            <a:r>
-              <a:rPr lang="en-GB" altLang="en-US" dirty="0" smtClean="0"/>
-              <a:t>Search </a:t>
-            </a:r>
-            <a:r>
-              <a:rPr lang="en-GB" altLang="en-US" dirty="0" smtClean="0"/>
-              <a:t>problem</a:t>
-            </a:r>
-          </a:p>
-          <a:p>
-            <a:pPr lvl="1"/>
-            <a:r>
-              <a:rPr lang="en-GB" altLang="en-US" dirty="0" smtClean="0"/>
-              <a:t>find </a:t>
-            </a:r>
-            <a:r>
-              <a:rPr lang="en-GB" altLang="en-US" dirty="0" smtClean="0"/>
-              <a:t>translation E* </a:t>
-            </a:r>
-            <a:r>
-              <a:rPr lang="en-GB" altLang="en-US" dirty="0" smtClean="0"/>
-              <a:t>with the best overall score</a:t>
+              <a:t>find translation E* with the best overall score</a:t>
             </a:r>
             <a:endParaRPr lang="en-GB" altLang="en-US" dirty="0"/>
           </a:p>
@@ -36489,7 +36285,6 @@
               <a:rPr lang="en-GB" altLang="en-US" dirty="0" smtClean="0"/>
               <a:t>Choose a translation from phrase-table options</a:t>
             </a:r>
-            <a:endParaRPr lang="en-GB" altLang="en-US" dirty="0" smtClean="0"/>
           </a:p>
           <a:p>
             <a:pPr marL="0" indent="0">

--- a/slides/WSTA_L21_machine_translation_phrase.pptx
+++ b/slides/WSTA_L21_machine_translation_phrase.pptx
@@ -231,7 +231,7 @@
           <a:p>
             <a:fld id="{50A97A5B-EA5E-9E4E-B952-F7E0D0C1A3D8}" type="datetimeFigureOut">
               <a:rPr lang="en-US" smtClean="0"/>
-              <a:t>5/12/17</a:t>
+              <a:t>5/17/17</a:t>
             </a:fld>
             <a:endParaRPr lang="en-US"/>
           </a:p>
@@ -1189,7 +1189,7 @@
           </a:ln>
           <a:extLst>
             <a:ext uri="{AF507438-7753-43e0-B8FC-AC1667EBCBE1}">
-              <a14:hiddenEffects xmlns:a14="http://schemas.microsoft.com/office/drawing/2010/main" xmlns="">
+              <a14:hiddenEffects xmlns="" xmlns:a14="http://schemas.microsoft.com/office/drawing/2010/main">
                 <a:effectLst>
                   <a:outerShdw blurRad="63500" dist="38099" dir="2700000" algn="ctr" rotWithShape="0">
                     <a:srgbClr val="000000">
@@ -1220,7 +1220,7 @@
           <a:ln/>
           <a:extLst>
             <a:ext uri="{AF507438-7753-43e0-B8FC-AC1667EBCBE1}">
-              <a14:hiddenEffects xmlns:a14="http://schemas.microsoft.com/office/drawing/2010/main" xmlns="">
+              <a14:hiddenEffects xmlns="" xmlns:a14="http://schemas.microsoft.com/office/drawing/2010/main">
                 <a:effectLst>
                   <a:outerShdw blurRad="63500" dist="38099" dir="2700000" algn="ctr" rotWithShape="0">
                     <a:srgbClr val="000000">
@@ -1311,7 +1311,7 @@
           </a:ln>
           <a:extLst>
             <a:ext uri="{AF507438-7753-43e0-B8FC-AC1667EBCBE1}">
-              <a14:hiddenEffects xmlns:a14="http://schemas.microsoft.com/office/drawing/2010/main" xmlns="">
+              <a14:hiddenEffects xmlns="" xmlns:a14="http://schemas.microsoft.com/office/drawing/2010/main">
                 <a:effectLst>
                   <a:outerShdw blurRad="63500" dist="38099" dir="2700000" algn="ctr" rotWithShape="0">
                     <a:srgbClr val="000000">
@@ -1342,7 +1342,7 @@
           <a:ln/>
           <a:extLst>
             <a:ext uri="{AF507438-7753-43e0-B8FC-AC1667EBCBE1}">
-              <a14:hiddenEffects xmlns:a14="http://schemas.microsoft.com/office/drawing/2010/main" xmlns="">
+              <a14:hiddenEffects xmlns="" xmlns:a14="http://schemas.microsoft.com/office/drawing/2010/main">
                 <a:effectLst>
                   <a:outerShdw blurRad="63500" dist="38099" dir="2700000" algn="ctr" rotWithShape="0">
                     <a:srgbClr val="000000">
@@ -1433,7 +1433,7 @@
           </a:ln>
           <a:extLst>
             <a:ext uri="{AF507438-7753-43e0-B8FC-AC1667EBCBE1}">
-              <a14:hiddenEffects xmlns:a14="http://schemas.microsoft.com/office/drawing/2010/main" xmlns="">
+              <a14:hiddenEffects xmlns="" xmlns:a14="http://schemas.microsoft.com/office/drawing/2010/main">
                 <a:effectLst>
                   <a:outerShdw blurRad="63500" dist="38099" dir="2700000" algn="ctr" rotWithShape="0">
                     <a:srgbClr val="000000">
@@ -1464,7 +1464,7 @@
           <a:ln/>
           <a:extLst>
             <a:ext uri="{AF507438-7753-43e0-B8FC-AC1667EBCBE1}">
-              <a14:hiddenEffects xmlns:a14="http://schemas.microsoft.com/office/drawing/2010/main" xmlns="">
+              <a14:hiddenEffects xmlns="" xmlns:a14="http://schemas.microsoft.com/office/drawing/2010/main">
                 <a:effectLst>
                   <a:outerShdw blurRad="63500" dist="38099" dir="2700000" algn="ctr" rotWithShape="0">
                     <a:srgbClr val="000000">
@@ -7042,8 +7042,20 @@
             <a:pPr lvl="1"/>
             <a:r>
               <a:rPr lang="en-AU" dirty="0" smtClean="0"/>
-              <a:t>extract phrase-pairs from word alignments</a:t>
-            </a:r>
+              <a:t>extract phrase-pairs from word </a:t>
+            </a:r>
+            <a:r>
+              <a:rPr lang="en-AU" dirty="0" smtClean="0"/>
+              <a:t>alignments &amp; </a:t>
+            </a:r>
+            <a:br>
+              <a:rPr lang="en-AU" dirty="0" smtClean="0"/>
+            </a:br>
+            <a:r>
+              <a:rPr lang="en-AU" dirty="0" smtClean="0"/>
+              <a:t>normalise counts</a:t>
+            </a:r>
+            <a:endParaRPr lang="en-AU" dirty="0" smtClean="0"/>
           </a:p>
           <a:p>
             <a:pPr lvl="1"/>
@@ -7180,7 +7192,19 @@
           <a:p>
             <a:r>
               <a:rPr lang="en-AU" dirty="0" smtClean="0"/>
-              <a:t>Phrase-based approach rather complicated!</a:t>
+              <a:t>Phrase-based approach </a:t>
+            </a:r>
+            <a:r>
+              <a:rPr lang="en-AU" dirty="0" smtClean="0"/>
+              <a:t>is </a:t>
+            </a:r>
+            <a:r>
+              <a:rPr lang="en-AU" i="1" dirty="0" smtClean="0"/>
+              <a:t>rather </a:t>
+            </a:r>
+            <a:r>
+              <a:rPr lang="en-AU" dirty="0" smtClean="0"/>
+              <a:t>complicated!</a:t>
             </a:r>
           </a:p>
           <a:p>
@@ -7193,7 +7217,27 @@
             <a:pPr lvl="1"/>
             <a:r>
               <a:rPr lang="en-AU" dirty="0" smtClean="0"/>
-              <a:t>Can we throw all this complexity away, instead learn a </a:t>
+              <a:t>Can we throw </a:t>
+            </a:r>
+            <a:r>
+              <a:rPr lang="en-AU" dirty="0" smtClean="0"/>
+              <a:t>away </a:t>
+            </a:r>
+            <a:r>
+              <a:rPr lang="en-AU" dirty="0" smtClean="0"/>
+              <a:t>all </a:t>
+            </a:r>
+            <a:r>
+              <a:rPr lang="en-AU" dirty="0" smtClean="0"/>
+              <a:t>this </a:t>
+            </a:r>
+            <a:r>
+              <a:rPr lang="en-AU" dirty="0" smtClean="0"/>
+              <a:t>complexity, </a:t>
+            </a:r>
+            <a:r>
+              <a:rPr lang="en-AU" dirty="0" smtClean="0"/>
+              <a:t>instead learn a </a:t>
             </a:r>
             <a:r>
               <a:rPr lang="en-AU" i="1" dirty="0" smtClean="0"/>
@@ -7221,7 +7265,15 @@
             <a:pPr lvl="1"/>
             <a:r>
               <a:rPr lang="en-AU" dirty="0" smtClean="0"/>
-              <a:t>attempts to generate words in the target given “deep” representation of the source</a:t>
+              <a:t>attempts to generate words in the target given “deep” </a:t>
+            </a:r>
+            <a:r>
+              <a:rPr lang="en-AU" dirty="0" smtClean="0"/>
+              <a:t>(vector/matrix) representation </a:t>
+            </a:r>
+            <a:r>
+              <a:rPr lang="en-AU" dirty="0" smtClean="0"/>
+              <a:t>of the source</a:t>
             </a:r>
           </a:p>
           <a:p>
@@ -7318,7 +7370,15 @@
           <a:p>
             <a:r>
               <a:rPr lang="en-US" dirty="0" smtClean="0"/>
-              <a:t>So-called “sequence2sequence” models combine:</a:t>
+              <a:t>So-called “</a:t>
+            </a:r>
+            <a:r>
+              <a:rPr lang="en-US" i="1" dirty="0" smtClean="0"/>
+              <a:t>sequence2sequence</a:t>
+            </a:r>
+            <a:r>
+              <a:rPr lang="en-US" dirty="0" smtClean="0"/>
+              <a:t>” models combine:</a:t>
             </a:r>
           </a:p>
           <a:p>
@@ -33778,11 +33838,7 @@
             <a:pPr lvl="1"/>
             <a:r>
               <a:rPr lang="en-AU" dirty="0" smtClean="0"/>
-              <a:t>Koehn09 </a:t>
-            </a:r>
-            <a:r>
-              <a:rPr lang="en-AU" dirty="0" smtClean="0"/>
-              <a:t>5.1 – 5.2 and 6.1 – 6.2</a:t>
+              <a:t>Koehn09 5.1 – 5.2 and 6.1 – 6.2</a:t>
             </a:r>
           </a:p>
           <a:p>
@@ -35190,7 +35246,7 @@
           <a:p>
             <a:r>
               <a:rPr lang="en-AU" dirty="0" smtClean="0"/>
-              <a:t>scoring phrases</a:t>
+              <a:t>Finding &amp; scoring phrase pairs</a:t>
             </a:r>
             <a:endParaRPr lang="en-AU" dirty="0"/>
           </a:p>
@@ -35276,8 +35332,9 @@
           <a:p>
             <a:r>
               <a:rPr lang="en-AU" dirty="0" smtClean="0"/>
-              <a:t>Once we have all the phrase pairs</a:t>
-            </a:r>
+              <a:t>“Extract” phrase pairs as contiguous chunks in word aligned text; then</a:t>
+            </a:r>
+            <a:endParaRPr lang="en-AU" dirty="0" smtClean="0"/>
           </a:p>
           <a:p>
             <a:pPr lvl="1"/>
@@ -35337,8 +35394,8 @@
         </p:blipFill>
         <p:spPr>
           <a:xfrm>
-            <a:off x="3615140" y="5436771"/>
-            <a:ext cx="5294497" cy="796292"/>
+            <a:off x="2537292" y="5559543"/>
+            <a:ext cx="6039750" cy="908378"/>
           </a:xfrm>
           <a:prstGeom prst="rect">
             <a:avLst/>
